--- a/簡報1.pptx
+++ b/簡報1.pptx
@@ -6,6 +6,8 @@
   </p:sldMasterIdLst>
   <p:sldIdLst>
     <p:sldId id="256" r:id="rId2"/>
+    <p:sldId id="257" r:id="rId3"/>
+    <p:sldId id="258" r:id="rId4"/>
   </p:sldIdLst>
   <p:sldSz cx="12192000" cy="6858000"/>
   <p:notesSz cx="6858000" cy="9144000"/>
@@ -104,6 +106,11 @@
       </a:defRPr>
     </a:lvl9pPr>
   </p:defaultTextStyle>
+  <p:extLst>
+    <p:ext uri="{EFAFB233-063F-42B5-8137-9DF3F51BA10A}">
+      <p15:sldGuideLst xmlns:p15="http://schemas.microsoft.com/office/powerpoint/2012/main"/>
+    </p:ext>
+  </p:extLst>
 </p:presentation>
 </file>
 
@@ -254,7 +261,7 @@
           <a:p>
             <a:fld id="{717CE489-6D83-4847-9C84-F7E756BFD5C3}" type="datetimeFigureOut">
               <a:rPr lang="zh-TW" altLang="en-US" smtClean="0"/>
-              <a:t>2024/9/19</a:t>
+              <a:t>2024/9/22</a:t>
             </a:fld>
             <a:endParaRPr lang="zh-TW" altLang="en-US"/>
           </a:p>
@@ -452,7 +459,7 @@
           <a:p>
             <a:fld id="{717CE489-6D83-4847-9C84-F7E756BFD5C3}" type="datetimeFigureOut">
               <a:rPr lang="zh-TW" altLang="en-US" smtClean="0"/>
-              <a:t>2024/9/19</a:t>
+              <a:t>2024/9/22</a:t>
             </a:fld>
             <a:endParaRPr lang="zh-TW" altLang="en-US"/>
           </a:p>
@@ -660,7 +667,7 @@
           <a:p>
             <a:fld id="{717CE489-6D83-4847-9C84-F7E756BFD5C3}" type="datetimeFigureOut">
               <a:rPr lang="zh-TW" altLang="en-US" smtClean="0"/>
-              <a:t>2024/9/19</a:t>
+              <a:t>2024/9/22</a:t>
             </a:fld>
             <a:endParaRPr lang="zh-TW" altLang="en-US"/>
           </a:p>
@@ -858,7 +865,7 @@
           <a:p>
             <a:fld id="{717CE489-6D83-4847-9C84-F7E756BFD5C3}" type="datetimeFigureOut">
               <a:rPr lang="zh-TW" altLang="en-US" smtClean="0"/>
-              <a:t>2024/9/19</a:t>
+              <a:t>2024/9/22</a:t>
             </a:fld>
             <a:endParaRPr lang="zh-TW" altLang="en-US"/>
           </a:p>
@@ -1133,7 +1140,7 @@
           <a:p>
             <a:fld id="{717CE489-6D83-4847-9C84-F7E756BFD5C3}" type="datetimeFigureOut">
               <a:rPr lang="zh-TW" altLang="en-US" smtClean="0"/>
-              <a:t>2024/9/19</a:t>
+              <a:t>2024/9/22</a:t>
             </a:fld>
             <a:endParaRPr lang="zh-TW" altLang="en-US"/>
           </a:p>
@@ -1398,7 +1405,7 @@
           <a:p>
             <a:fld id="{717CE489-6D83-4847-9C84-F7E756BFD5C3}" type="datetimeFigureOut">
               <a:rPr lang="zh-TW" altLang="en-US" smtClean="0"/>
-              <a:t>2024/9/19</a:t>
+              <a:t>2024/9/22</a:t>
             </a:fld>
             <a:endParaRPr lang="zh-TW" altLang="en-US"/>
           </a:p>
@@ -1810,7 +1817,7 @@
           <a:p>
             <a:fld id="{717CE489-6D83-4847-9C84-F7E756BFD5C3}" type="datetimeFigureOut">
               <a:rPr lang="zh-TW" altLang="en-US" smtClean="0"/>
-              <a:t>2024/9/19</a:t>
+              <a:t>2024/9/22</a:t>
             </a:fld>
             <a:endParaRPr lang="zh-TW" altLang="en-US"/>
           </a:p>
@@ -1951,7 +1958,7 @@
           <a:p>
             <a:fld id="{717CE489-6D83-4847-9C84-F7E756BFD5C3}" type="datetimeFigureOut">
               <a:rPr lang="zh-TW" altLang="en-US" smtClean="0"/>
-              <a:t>2024/9/19</a:t>
+              <a:t>2024/9/22</a:t>
             </a:fld>
             <a:endParaRPr lang="zh-TW" altLang="en-US"/>
           </a:p>
@@ -2064,7 +2071,7 @@
           <a:p>
             <a:fld id="{717CE489-6D83-4847-9C84-F7E756BFD5C3}" type="datetimeFigureOut">
               <a:rPr lang="zh-TW" altLang="en-US" smtClean="0"/>
-              <a:t>2024/9/19</a:t>
+              <a:t>2024/9/22</a:t>
             </a:fld>
             <a:endParaRPr lang="zh-TW" altLang="en-US"/>
           </a:p>
@@ -2375,7 +2382,7 @@
           <a:p>
             <a:fld id="{717CE489-6D83-4847-9C84-F7E756BFD5C3}" type="datetimeFigureOut">
               <a:rPr lang="zh-TW" altLang="en-US" smtClean="0"/>
-              <a:t>2024/9/19</a:t>
+              <a:t>2024/9/22</a:t>
             </a:fld>
             <a:endParaRPr lang="zh-TW" altLang="en-US"/>
           </a:p>
@@ -2663,7 +2670,7 @@
           <a:p>
             <a:fld id="{717CE489-6D83-4847-9C84-F7E756BFD5C3}" type="datetimeFigureOut">
               <a:rPr lang="zh-TW" altLang="en-US" smtClean="0"/>
-              <a:t>2024/9/19</a:t>
+              <a:t>2024/9/22</a:t>
             </a:fld>
             <a:endParaRPr lang="zh-TW" altLang="en-US"/>
           </a:p>
@@ -2904,7 +2911,7 @@
           <a:p>
             <a:fld id="{717CE489-6D83-4847-9C84-F7E756BFD5C3}" type="datetimeFigureOut">
               <a:rPr lang="zh-TW" altLang="en-US" smtClean="0"/>
-              <a:t>2024/9/19</a:t>
+              <a:t>2024/9/22</a:t>
             </a:fld>
             <a:endParaRPr lang="zh-TW" altLang="en-US"/>
           </a:p>
@@ -3443,8 +3450,8 @@
         </p:nvSpPr>
         <p:spPr>
           <a:xfrm>
-            <a:off x="5399335" y="0"/>
-            <a:ext cx="1393330" cy="369332"/>
+            <a:off x="5198158" y="0"/>
+            <a:ext cx="1795684" cy="461665"/>
           </a:xfrm>
           <a:prstGeom prst="rect">
             <a:avLst/>
@@ -3458,14 +3465,14 @@
           <a:lstStyle/>
           <a:p>
             <a:r>
-              <a:rPr lang="zh-TW" altLang="en-US" dirty="0"/>
+              <a:rPr lang="zh-TW" altLang="en-US" sz="2400" dirty="0"/>
               <a:t>原始分層</a:t>
             </a:r>
             <a:r>
-              <a:rPr lang="en-US" altLang="zh-TW" dirty="0"/>
+              <a:rPr lang="en-US" altLang="zh-TW" sz="2400" dirty="0"/>
               <a:t>lab</a:t>
             </a:r>
-            <a:endParaRPr lang="zh-TW" altLang="en-US" dirty="0"/>
+            <a:endParaRPr lang="zh-TW" altLang="en-US" sz="2400" dirty="0"/>
           </a:p>
         </p:txBody>
       </p:sp>
@@ -3473,6 +3480,426 @@
     <p:extLst>
       <p:ext uri="{BB962C8B-B14F-4D97-AF65-F5344CB8AC3E}">
         <p14:creationId xmlns:p14="http://schemas.microsoft.com/office/powerpoint/2010/main" val="665411158"/>
+      </p:ext>
+    </p:extLst>
+  </p:cSld>
+  <p:clrMapOvr>
+    <a:masterClrMapping/>
+  </p:clrMapOvr>
+</p:sld>
+</file>
+
+<file path=ppt/slides/slide2.xml><?xml version="1.0" encoding="utf-8"?>
+<p:sld xmlns:a="http://schemas.openxmlformats.org/drawingml/2006/main" xmlns:r="http://schemas.openxmlformats.org/officeDocument/2006/relationships" xmlns:p="http://schemas.openxmlformats.org/presentationml/2006/main">
+  <p:cSld>
+    <p:spTree>
+      <p:nvGrpSpPr>
+        <p:cNvPr id="1" name=""/>
+        <p:cNvGrpSpPr/>
+        <p:nvPr/>
+      </p:nvGrpSpPr>
+      <p:grpSpPr>
+        <a:xfrm>
+          <a:off x="0" y="0"/>
+          <a:ext cx="0" cy="0"/>
+          <a:chOff x="0" y="0"/>
+          <a:chExt cx="0" cy="0"/>
+        </a:xfrm>
+      </p:grpSpPr>
+      <p:sp>
+        <p:nvSpPr>
+          <p:cNvPr id="2" name="標題 1">
+            <a:extLst>
+              <a:ext uri="{FF2B5EF4-FFF2-40B4-BE49-F238E27FC236}">
+                <a16:creationId xmlns:a16="http://schemas.microsoft.com/office/drawing/2014/main" id="{3A94C515-F6CA-BA87-02F0-E897F2822C3B}"/>
+              </a:ext>
+            </a:extLst>
+          </p:cNvPr>
+          <p:cNvSpPr>
+            <a:spLocks noGrp="1"/>
+          </p:cNvSpPr>
+          <p:nvPr>
+            <p:ph type="title"/>
+          </p:nvPr>
+        </p:nvSpPr>
+        <p:spPr>
+          <a:xfrm>
+            <a:off x="838200" y="0"/>
+            <a:ext cx="10515600" cy="1325563"/>
+          </a:xfrm>
+        </p:spPr>
+        <p:txBody>
+          <a:bodyPr>
+            <a:normAutofit/>
+          </a:bodyPr>
+          <a:lstStyle/>
+          <a:p>
+            <a:pPr algn="ctr"/>
+            <a:r>
+              <a:rPr lang="zh-TW" altLang="en-US" sz="2400" dirty="0"/>
+              <a:t>數據趨勢預測</a:t>
+            </a:r>
+          </a:p>
+        </p:txBody>
+      </p:sp>
+      <p:pic>
+        <p:nvPicPr>
+          <p:cNvPr id="5" name="圖片 4">
+            <a:extLst>
+              <a:ext uri="{FF2B5EF4-FFF2-40B4-BE49-F238E27FC236}">
+                <a16:creationId xmlns:a16="http://schemas.microsoft.com/office/drawing/2014/main" id="{91C8A355-4808-1851-47B6-4BD1588E1DD1}"/>
+              </a:ext>
+            </a:extLst>
+          </p:cNvPr>
+          <p:cNvPicPr>
+            <a:picLocks noChangeAspect="1"/>
+          </p:cNvPicPr>
+          <p:nvPr/>
+        </p:nvPicPr>
+        <p:blipFill>
+          <a:blip r:embed="rId2">
+            <a:extLst>
+              <a:ext uri="{28A0092B-C50C-407E-A947-70E740481C1C}">
+                <a14:useLocalDpi xmlns:a14="http://schemas.microsoft.com/office/drawing/2010/main" val="0"/>
+              </a:ext>
+            </a:extLst>
+          </a:blip>
+          <a:srcRect r="8122"/>
+          <a:stretch/>
+        </p:blipFill>
+        <p:spPr>
+          <a:xfrm>
+            <a:off x="5503844" y="1325563"/>
+            <a:ext cx="6688156" cy="4852930"/>
+          </a:xfrm>
+          <a:prstGeom prst="rect">
+            <a:avLst/>
+          </a:prstGeom>
+        </p:spPr>
+      </p:pic>
+      <p:pic>
+        <p:nvPicPr>
+          <p:cNvPr id="13" name="圖片 12">
+            <a:extLst>
+              <a:ext uri="{FF2B5EF4-FFF2-40B4-BE49-F238E27FC236}">
+                <a16:creationId xmlns:a16="http://schemas.microsoft.com/office/drawing/2014/main" id="{12BA0916-EEEA-2883-404C-0BCF66948D3E}"/>
+              </a:ext>
+            </a:extLst>
+          </p:cNvPr>
+          <p:cNvPicPr>
+            <a:picLocks noChangeAspect="1"/>
+          </p:cNvPicPr>
+          <p:nvPr/>
+        </p:nvPicPr>
+        <p:blipFill>
+          <a:blip r:embed="rId3">
+            <a:extLst>
+              <a:ext uri="{28A0092B-C50C-407E-A947-70E740481C1C}">
+                <a14:useLocalDpi xmlns:a14="http://schemas.microsoft.com/office/drawing/2010/main" val="0"/>
+              </a:ext>
+            </a:extLst>
+          </a:blip>
+          <a:srcRect l="7497" r="9007"/>
+          <a:stretch/>
+        </p:blipFill>
+        <p:spPr>
+          <a:xfrm>
+            <a:off x="0" y="1325563"/>
+            <a:ext cx="5409282" cy="4858840"/>
+          </a:xfrm>
+          <a:prstGeom prst="rect">
+            <a:avLst/>
+          </a:prstGeom>
+        </p:spPr>
+      </p:pic>
+      <p:sp>
+        <p:nvSpPr>
+          <p:cNvPr id="14" name="文字方塊 13">
+            <a:extLst>
+              <a:ext uri="{FF2B5EF4-FFF2-40B4-BE49-F238E27FC236}">
+                <a16:creationId xmlns:a16="http://schemas.microsoft.com/office/drawing/2014/main" id="{9B62784B-9534-D9BA-9BB7-3A915BB0CD68}"/>
+              </a:ext>
+            </a:extLst>
+          </p:cNvPr>
+          <p:cNvSpPr txBox="1"/>
+          <p:nvPr/>
+        </p:nvSpPr>
+        <p:spPr>
+          <a:xfrm>
+            <a:off x="2381475" y="5993827"/>
+            <a:ext cx="1338828" cy="369332"/>
+          </a:xfrm>
+          <a:prstGeom prst="rect">
+            <a:avLst/>
+          </a:prstGeom>
+          <a:noFill/>
+        </p:spPr>
+        <p:txBody>
+          <a:bodyPr wrap="none" rtlCol="0">
+            <a:spAutoFit/>
+          </a:bodyPr>
+          <a:lstStyle/>
+          <a:p>
+            <a:r>
+              <a:rPr lang="zh-TW" altLang="en-US" dirty="0"/>
+              <a:t>線性趨勢線</a:t>
+            </a:r>
+          </a:p>
+        </p:txBody>
+      </p:sp>
+      <p:sp>
+        <p:nvSpPr>
+          <p:cNvPr id="15" name="文字方塊 14">
+            <a:extLst>
+              <a:ext uri="{FF2B5EF4-FFF2-40B4-BE49-F238E27FC236}">
+                <a16:creationId xmlns:a16="http://schemas.microsoft.com/office/drawing/2014/main" id="{8D5604A3-5192-E68E-46BC-DA795F7461EE}"/>
+              </a:ext>
+            </a:extLst>
+          </p:cNvPr>
+          <p:cNvSpPr txBox="1"/>
+          <p:nvPr/>
+        </p:nvSpPr>
+        <p:spPr>
+          <a:xfrm>
+            <a:off x="8847922" y="5993827"/>
+            <a:ext cx="2034531" cy="369332"/>
+          </a:xfrm>
+          <a:prstGeom prst="rect">
+            <a:avLst/>
+          </a:prstGeom>
+          <a:noFill/>
+        </p:spPr>
+        <p:txBody>
+          <a:bodyPr wrap="none" rtlCol="0">
+            <a:spAutoFit/>
+          </a:bodyPr>
+          <a:lstStyle/>
+          <a:p>
+            <a:r>
+              <a:rPr lang="zh-TW" altLang="en-US" dirty="0"/>
+              <a:t>每</a:t>
+            </a:r>
+            <a:r>
+              <a:rPr lang="en-US" altLang="zh-TW" dirty="0"/>
+              <a:t>25</a:t>
+            </a:r>
+            <a:r>
+              <a:rPr lang="zh-TW" altLang="en-US" dirty="0"/>
+              <a:t>公分取平均值</a:t>
+            </a:r>
+          </a:p>
+        </p:txBody>
+      </p:sp>
+    </p:spTree>
+    <p:extLst>
+      <p:ext uri="{BB962C8B-B14F-4D97-AF65-F5344CB8AC3E}">
+        <p14:creationId xmlns:p14="http://schemas.microsoft.com/office/powerpoint/2010/main" val="1709837716"/>
+      </p:ext>
+    </p:extLst>
+  </p:cSld>
+  <p:clrMapOvr>
+    <a:masterClrMapping/>
+  </p:clrMapOvr>
+</p:sld>
+</file>
+
+<file path=ppt/slides/slide3.xml><?xml version="1.0" encoding="utf-8"?>
+<p:sld xmlns:a="http://schemas.openxmlformats.org/drawingml/2006/main" xmlns:r="http://schemas.openxmlformats.org/officeDocument/2006/relationships" xmlns:p="http://schemas.openxmlformats.org/presentationml/2006/main">
+  <p:cSld>
+    <p:spTree>
+      <p:nvGrpSpPr>
+        <p:cNvPr id="1" name=""/>
+        <p:cNvGrpSpPr/>
+        <p:nvPr/>
+      </p:nvGrpSpPr>
+      <p:grpSpPr>
+        <a:xfrm>
+          <a:off x="0" y="0"/>
+          <a:ext cx="0" cy="0"/>
+          <a:chOff x="0" y="0"/>
+          <a:chExt cx="0" cy="0"/>
+        </a:xfrm>
+      </p:grpSpPr>
+      <p:sp>
+        <p:nvSpPr>
+          <p:cNvPr id="4" name="標題 1">
+            <a:extLst>
+              <a:ext uri="{FF2B5EF4-FFF2-40B4-BE49-F238E27FC236}">
+                <a16:creationId xmlns:a16="http://schemas.microsoft.com/office/drawing/2014/main" id="{AD1D0BEA-8771-DF55-5DFF-2404BF0D86DF}"/>
+              </a:ext>
+            </a:extLst>
+          </p:cNvPr>
+          <p:cNvSpPr>
+            <a:spLocks noGrp="1"/>
+          </p:cNvSpPr>
+          <p:nvPr>
+            <p:ph type="title"/>
+          </p:nvPr>
+        </p:nvSpPr>
+        <p:spPr>
+          <a:xfrm>
+            <a:off x="838200" y="0"/>
+            <a:ext cx="10515600" cy="1325563"/>
+          </a:xfrm>
+        </p:spPr>
+        <p:txBody>
+          <a:bodyPr>
+            <a:normAutofit/>
+          </a:bodyPr>
+          <a:lstStyle/>
+          <a:p>
+            <a:pPr algn="ctr"/>
+            <a:r>
+              <a:rPr lang="zh-TW" altLang="en-US" sz="2400" dirty="0"/>
+              <a:t>數據趨勢預測</a:t>
+            </a:r>
+          </a:p>
+        </p:txBody>
+      </p:sp>
+      <p:pic>
+        <p:nvPicPr>
+          <p:cNvPr id="6" name="圖片 5">
+            <a:extLst>
+              <a:ext uri="{FF2B5EF4-FFF2-40B4-BE49-F238E27FC236}">
+                <a16:creationId xmlns:a16="http://schemas.microsoft.com/office/drawing/2014/main" id="{CAA0C58D-E000-4A5D-91AF-8671F808DBBD}"/>
+              </a:ext>
+            </a:extLst>
+          </p:cNvPr>
+          <p:cNvPicPr>
+            <a:picLocks noChangeAspect="1"/>
+          </p:cNvPicPr>
+          <p:nvPr/>
+        </p:nvPicPr>
+        <p:blipFill>
+          <a:blip r:embed="rId2">
+            <a:extLst>
+              <a:ext uri="{28A0092B-C50C-407E-A947-70E740481C1C}">
+                <a14:useLocalDpi xmlns:a14="http://schemas.microsoft.com/office/drawing/2010/main" val="0"/>
+              </a:ext>
+            </a:extLst>
+          </a:blip>
+          <a:srcRect l="7019" t="6528" r="7942" b="3156"/>
+          <a:stretch/>
+        </p:blipFill>
+        <p:spPr>
+          <a:xfrm>
+            <a:off x="-1" y="1325562"/>
+            <a:ext cx="6025793" cy="4799816"/>
+          </a:xfrm>
+          <a:prstGeom prst="rect">
+            <a:avLst/>
+          </a:prstGeom>
+        </p:spPr>
+      </p:pic>
+      <p:pic>
+        <p:nvPicPr>
+          <p:cNvPr id="8" name="圖片 7">
+            <a:extLst>
+              <a:ext uri="{FF2B5EF4-FFF2-40B4-BE49-F238E27FC236}">
+                <a16:creationId xmlns:a16="http://schemas.microsoft.com/office/drawing/2014/main" id="{D6B17CB0-FB3B-0EDC-5C18-AE3C06AC32E5}"/>
+              </a:ext>
+            </a:extLst>
+          </p:cNvPr>
+          <p:cNvPicPr>
+            <a:picLocks noChangeAspect="1"/>
+          </p:cNvPicPr>
+          <p:nvPr/>
+        </p:nvPicPr>
+        <p:blipFill>
+          <a:blip r:embed="rId3">
+            <a:extLst>
+              <a:ext uri="{28A0092B-C50C-407E-A947-70E740481C1C}">
+                <a14:useLocalDpi xmlns:a14="http://schemas.microsoft.com/office/drawing/2010/main" val="0"/>
+              </a:ext>
+            </a:extLst>
+          </a:blip>
+          <a:srcRect l="6391" t="6927" r="8691" b="4706"/>
+          <a:stretch/>
+        </p:blipFill>
+        <p:spPr>
+          <a:xfrm>
+            <a:off x="6015336" y="1325561"/>
+            <a:ext cx="6069257" cy="4736862"/>
+          </a:xfrm>
+          <a:prstGeom prst="rect">
+            <a:avLst/>
+          </a:prstGeom>
+        </p:spPr>
+      </p:pic>
+      <p:sp>
+        <p:nvSpPr>
+          <p:cNvPr id="9" name="文字方塊 8">
+            <a:extLst>
+              <a:ext uri="{FF2B5EF4-FFF2-40B4-BE49-F238E27FC236}">
+                <a16:creationId xmlns:a16="http://schemas.microsoft.com/office/drawing/2014/main" id="{43C6F58D-93C0-A8BF-D46E-E5B5FD3CFF91}"/>
+              </a:ext>
+            </a:extLst>
+          </p:cNvPr>
+          <p:cNvSpPr txBox="1"/>
+          <p:nvPr/>
+        </p:nvSpPr>
+        <p:spPr>
+          <a:xfrm>
+            <a:off x="2689729" y="6125378"/>
+            <a:ext cx="646331" cy="369332"/>
+          </a:xfrm>
+          <a:prstGeom prst="rect">
+            <a:avLst/>
+          </a:prstGeom>
+          <a:noFill/>
+        </p:spPr>
+        <p:txBody>
+          <a:bodyPr wrap="none" rtlCol="0">
+            <a:spAutoFit/>
+          </a:bodyPr>
+          <a:lstStyle/>
+          <a:p>
+            <a:r>
+              <a:rPr lang="zh-TW" altLang="en-US" dirty="0"/>
+              <a:t>指數</a:t>
+            </a:r>
+          </a:p>
+        </p:txBody>
+      </p:sp>
+      <p:sp>
+        <p:nvSpPr>
+          <p:cNvPr id="10" name="文字方塊 9">
+            <a:extLst>
+              <a:ext uri="{FF2B5EF4-FFF2-40B4-BE49-F238E27FC236}">
+                <a16:creationId xmlns:a16="http://schemas.microsoft.com/office/drawing/2014/main" id="{78414D23-1AEF-E2B7-3F71-7C706F82B725}"/>
+              </a:ext>
+            </a:extLst>
+          </p:cNvPr>
+          <p:cNvSpPr txBox="1"/>
+          <p:nvPr/>
+        </p:nvSpPr>
+        <p:spPr>
+          <a:xfrm>
+            <a:off x="8853889" y="6125378"/>
+            <a:ext cx="1338828" cy="369332"/>
+          </a:xfrm>
+          <a:prstGeom prst="rect">
+            <a:avLst/>
+          </a:prstGeom>
+          <a:noFill/>
+        </p:spPr>
+        <p:txBody>
+          <a:bodyPr wrap="none" rtlCol="0">
+            <a:spAutoFit/>
+          </a:bodyPr>
+          <a:lstStyle/>
+          <a:p>
+            <a:r>
+              <a:rPr lang="zh-TW" altLang="en-US" dirty="0"/>
+              <a:t>二次多項式</a:t>
+            </a:r>
+          </a:p>
+        </p:txBody>
+      </p:sp>
+    </p:spTree>
+    <p:extLst>
+      <p:ext uri="{BB962C8B-B14F-4D97-AF65-F5344CB8AC3E}">
+        <p14:creationId xmlns:p14="http://schemas.microsoft.com/office/powerpoint/2010/main" val="1180047420"/>
       </p:ext>
     </p:extLst>
   </p:cSld>

--- a/簡報1.pptx
+++ b/簡報1.pptx
@@ -261,7 +261,7 @@
           <a:p>
             <a:fld id="{717CE489-6D83-4847-9C84-F7E756BFD5C3}" type="datetimeFigureOut">
               <a:rPr lang="zh-TW" altLang="en-US" smtClean="0"/>
-              <a:t>2024/9/22</a:t>
+              <a:t>2024/9/23</a:t>
             </a:fld>
             <a:endParaRPr lang="zh-TW" altLang="en-US"/>
           </a:p>
@@ -459,7 +459,7 @@
           <a:p>
             <a:fld id="{717CE489-6D83-4847-9C84-F7E756BFD5C3}" type="datetimeFigureOut">
               <a:rPr lang="zh-TW" altLang="en-US" smtClean="0"/>
-              <a:t>2024/9/22</a:t>
+              <a:t>2024/9/23</a:t>
             </a:fld>
             <a:endParaRPr lang="zh-TW" altLang="en-US"/>
           </a:p>
@@ -667,7 +667,7 @@
           <a:p>
             <a:fld id="{717CE489-6D83-4847-9C84-F7E756BFD5C3}" type="datetimeFigureOut">
               <a:rPr lang="zh-TW" altLang="en-US" smtClean="0"/>
-              <a:t>2024/9/22</a:t>
+              <a:t>2024/9/23</a:t>
             </a:fld>
             <a:endParaRPr lang="zh-TW" altLang="en-US"/>
           </a:p>
@@ -865,7 +865,7 @@
           <a:p>
             <a:fld id="{717CE489-6D83-4847-9C84-F7E756BFD5C3}" type="datetimeFigureOut">
               <a:rPr lang="zh-TW" altLang="en-US" smtClean="0"/>
-              <a:t>2024/9/22</a:t>
+              <a:t>2024/9/23</a:t>
             </a:fld>
             <a:endParaRPr lang="zh-TW" altLang="en-US"/>
           </a:p>
@@ -1140,7 +1140,7 @@
           <a:p>
             <a:fld id="{717CE489-6D83-4847-9C84-F7E756BFD5C3}" type="datetimeFigureOut">
               <a:rPr lang="zh-TW" altLang="en-US" smtClean="0"/>
-              <a:t>2024/9/22</a:t>
+              <a:t>2024/9/23</a:t>
             </a:fld>
             <a:endParaRPr lang="zh-TW" altLang="en-US"/>
           </a:p>
@@ -1405,7 +1405,7 @@
           <a:p>
             <a:fld id="{717CE489-6D83-4847-9C84-F7E756BFD5C3}" type="datetimeFigureOut">
               <a:rPr lang="zh-TW" altLang="en-US" smtClean="0"/>
-              <a:t>2024/9/22</a:t>
+              <a:t>2024/9/23</a:t>
             </a:fld>
             <a:endParaRPr lang="zh-TW" altLang="en-US"/>
           </a:p>
@@ -1817,7 +1817,7 @@
           <a:p>
             <a:fld id="{717CE489-6D83-4847-9C84-F7E756BFD5C3}" type="datetimeFigureOut">
               <a:rPr lang="zh-TW" altLang="en-US" smtClean="0"/>
-              <a:t>2024/9/22</a:t>
+              <a:t>2024/9/23</a:t>
             </a:fld>
             <a:endParaRPr lang="zh-TW" altLang="en-US"/>
           </a:p>
@@ -1958,7 +1958,7 @@
           <a:p>
             <a:fld id="{717CE489-6D83-4847-9C84-F7E756BFD5C3}" type="datetimeFigureOut">
               <a:rPr lang="zh-TW" altLang="en-US" smtClean="0"/>
-              <a:t>2024/9/22</a:t>
+              <a:t>2024/9/23</a:t>
             </a:fld>
             <a:endParaRPr lang="zh-TW" altLang="en-US"/>
           </a:p>
@@ -2071,7 +2071,7 @@
           <a:p>
             <a:fld id="{717CE489-6D83-4847-9C84-F7E756BFD5C3}" type="datetimeFigureOut">
               <a:rPr lang="zh-TW" altLang="en-US" smtClean="0"/>
-              <a:t>2024/9/22</a:t>
+              <a:t>2024/9/23</a:t>
             </a:fld>
             <a:endParaRPr lang="zh-TW" altLang="en-US"/>
           </a:p>
@@ -2382,7 +2382,7 @@
           <a:p>
             <a:fld id="{717CE489-6D83-4847-9C84-F7E756BFD5C3}" type="datetimeFigureOut">
               <a:rPr lang="zh-TW" altLang="en-US" smtClean="0"/>
-              <a:t>2024/9/22</a:t>
+              <a:t>2024/9/23</a:t>
             </a:fld>
             <a:endParaRPr lang="zh-TW" altLang="en-US"/>
           </a:p>
@@ -2670,7 +2670,7 @@
           <a:p>
             <a:fld id="{717CE489-6D83-4847-9C84-F7E756BFD5C3}" type="datetimeFigureOut">
               <a:rPr lang="zh-TW" altLang="en-US" smtClean="0"/>
-              <a:t>2024/9/22</a:t>
+              <a:t>2024/9/23</a:t>
             </a:fld>
             <a:endParaRPr lang="zh-TW" altLang="en-US"/>
           </a:p>
@@ -2911,7 +2911,7 @@
           <a:p>
             <a:fld id="{717CE489-6D83-4847-9C84-F7E756BFD5C3}" type="datetimeFigureOut">
               <a:rPr lang="zh-TW" altLang="en-US" smtClean="0"/>
-              <a:t>2024/9/22</a:t>
+              <a:t>2024/9/23</a:t>
             </a:fld>
             <a:endParaRPr lang="zh-TW" altLang="en-US"/>
           </a:p>
@@ -3626,7 +3626,7 @@
         </p:nvSpPr>
         <p:spPr>
           <a:xfrm>
-            <a:off x="2381475" y="5993827"/>
+            <a:off x="2035227" y="5901548"/>
             <a:ext cx="1338828" cy="369332"/>
           </a:xfrm>
           <a:prstGeom prst="rect">
@@ -3661,7 +3661,7 @@
         </p:nvSpPr>
         <p:spPr>
           <a:xfrm>
-            <a:off x="8847922" y="5993827"/>
+            <a:off x="8471699" y="5901548"/>
             <a:ext cx="2034531" cy="369332"/>
           </a:xfrm>
           <a:prstGeom prst="rect">
@@ -3675,6 +3675,7 @@
           </a:bodyPr>
           <a:lstStyle/>
           <a:p>
+            <a:pPr algn="ctr"/>
             <a:r>
               <a:rPr lang="zh-TW" altLang="en-US" dirty="0"/>
               <a:t>每</a:t>
